--- a/files/Machine learning to predict clinical outcomes from RNS background ECoG.pptx
+++ b/files/Machine learning to predict clinical outcomes from RNS background ECoG.pptx
@@ -242,7 +242,7 @@
           <a:p>
             <a:fld id="{7495F055-7986-3641-A733-961FAB9DF933}" type="datetimeFigureOut">
               <a:rPr lang="en-US" smtClean="0"/>
-              <a:t>11/5/18</a:t>
+              <a:t>11/8/18</a:t>
             </a:fld>
             <a:endParaRPr lang="en-US"/>
           </a:p>
@@ -3540,7 +3540,7 @@
             <a:fld id="{1D8BD707-D9CF-40AE-B4C6-C98DA3205C09}" type="datetimeFigureOut">
               <a:rPr lang="en-US" smtClean="0"/>
               <a:pPr/>
-              <a:t>11/5/18</a:t>
+              <a:t>11/8/18</a:t>
             </a:fld>
             <a:endParaRPr lang="en-US"/>
           </a:p>
@@ -3705,7 +3705,7 @@
             <a:fld id="{1D8BD707-D9CF-40AE-B4C6-C98DA3205C09}" type="datetimeFigureOut">
               <a:rPr lang="en-US" smtClean="0"/>
               <a:pPr/>
-              <a:t>11/5/18</a:t>
+              <a:t>11/8/18</a:t>
             </a:fld>
             <a:endParaRPr lang="en-US"/>
           </a:p>
@@ -3880,7 +3880,7 @@
             <a:fld id="{1D8BD707-D9CF-40AE-B4C6-C98DA3205C09}" type="datetimeFigureOut">
               <a:rPr lang="en-US" smtClean="0"/>
               <a:pPr/>
-              <a:t>11/5/18</a:t>
+              <a:t>11/8/18</a:t>
             </a:fld>
             <a:endParaRPr lang="en-US"/>
           </a:p>
@@ -4045,7 +4045,7 @@
             <a:fld id="{1D8BD707-D9CF-40AE-B4C6-C98DA3205C09}" type="datetimeFigureOut">
               <a:rPr lang="en-US" smtClean="0"/>
               <a:pPr/>
-              <a:t>11/5/18</a:t>
+              <a:t>11/8/18</a:t>
             </a:fld>
             <a:endParaRPr lang="en-US"/>
           </a:p>
@@ -4287,7 +4287,7 @@
             <a:fld id="{1D8BD707-D9CF-40AE-B4C6-C98DA3205C09}" type="datetimeFigureOut">
               <a:rPr lang="en-US" smtClean="0"/>
               <a:pPr/>
-              <a:t>11/5/18</a:t>
+              <a:t>11/8/18</a:t>
             </a:fld>
             <a:endParaRPr lang="en-US"/>
           </a:p>
@@ -4569,7 +4569,7 @@
             <a:fld id="{1D8BD707-D9CF-40AE-B4C6-C98DA3205C09}" type="datetimeFigureOut">
               <a:rPr lang="en-US" smtClean="0"/>
               <a:pPr/>
-              <a:t>11/5/18</a:t>
+              <a:t>11/8/18</a:t>
             </a:fld>
             <a:endParaRPr lang="en-US"/>
           </a:p>
@@ -4985,7 +4985,7 @@
             <a:fld id="{1D8BD707-D9CF-40AE-B4C6-C98DA3205C09}" type="datetimeFigureOut">
               <a:rPr lang="en-US" smtClean="0"/>
               <a:pPr/>
-              <a:t>11/5/18</a:t>
+              <a:t>11/8/18</a:t>
             </a:fld>
             <a:endParaRPr lang="en-US"/>
           </a:p>
@@ -5099,7 +5099,7 @@
             <a:fld id="{1D8BD707-D9CF-40AE-B4C6-C98DA3205C09}" type="datetimeFigureOut">
               <a:rPr lang="en-US" smtClean="0"/>
               <a:pPr/>
-              <a:t>11/5/18</a:t>
+              <a:t>11/8/18</a:t>
             </a:fld>
             <a:endParaRPr lang="en-US"/>
           </a:p>
@@ -5191,7 +5191,7 @@
             <a:fld id="{1D8BD707-D9CF-40AE-B4C6-C98DA3205C09}" type="datetimeFigureOut">
               <a:rPr lang="en-US" smtClean="0"/>
               <a:pPr/>
-              <a:t>11/5/18</a:t>
+              <a:t>11/8/18</a:t>
             </a:fld>
             <a:endParaRPr lang="en-US"/>
           </a:p>
@@ -5463,7 +5463,7 @@
             <a:fld id="{1D8BD707-D9CF-40AE-B4C6-C98DA3205C09}" type="datetimeFigureOut">
               <a:rPr lang="en-US" smtClean="0"/>
               <a:pPr/>
-              <a:t>11/5/18</a:t>
+              <a:t>11/8/18</a:t>
             </a:fld>
             <a:endParaRPr lang="en-US"/>
           </a:p>
@@ -5712,7 +5712,7 @@
             <a:fld id="{1D8BD707-D9CF-40AE-B4C6-C98DA3205C09}" type="datetimeFigureOut">
               <a:rPr lang="en-US" smtClean="0"/>
               <a:pPr/>
-              <a:t>11/5/18</a:t>
+              <a:t>11/8/18</a:t>
             </a:fld>
             <a:endParaRPr lang="en-US"/>
           </a:p>
@@ -5920,7 +5920,7 @@
             <a:fld id="{1D8BD707-D9CF-40AE-B4C6-C98DA3205C09}" type="datetimeFigureOut">
               <a:rPr lang="en-US" smtClean="0"/>
               <a:pPr/>
-              <a:t>11/5/18</a:t>
+              <a:t>11/8/18</a:t>
             </a:fld>
             <a:endParaRPr lang="en-US"/>
           </a:p>
